--- a/超时订单自动关闭的实现.pptx
+++ b/超时订单自动关闭的实现.pptx
@@ -8,7 +8,7 @@
     <p:notesMasterId r:id="rId4"/>
   </p:notesMasterIdLst>
   <p:handoutMasterIdLst>
-    <p:handoutMasterId r:id="rId15"/>
+    <p:handoutMasterId r:id="rId16"/>
   </p:handoutMasterIdLst>
   <p:sldIdLst>
     <p:sldId id="1071" r:id="rId3"/>
@@ -20,8 +20,9 @@
     <p:sldId id="1379" r:id="rId10"/>
     <p:sldId id="1368" r:id="rId11"/>
     <p:sldId id="1383" r:id="rId12"/>
-    <p:sldId id="1395" r:id="rId13"/>
-    <p:sldId id="1176" r:id="rId14"/>
+    <p:sldId id="1397" r:id="rId13"/>
+    <p:sldId id="1395" r:id="rId14"/>
+    <p:sldId id="1176" r:id="rId15"/>
   </p:sldIdLst>
   <p:sldSz cx="9144000" cy="6858000" type="screen4x3"/>
   <p:notesSz cx="6858000" cy="9144000"/>
@@ -805,6 +806,84 @@
 </file>
 
 <file path=ppt/notesSlides/notesSlide11.xml><?xml version="1.0" encoding="utf-8"?>
+<p:notes xmlns:a="http://schemas.openxmlformats.org/drawingml/2006/main" xmlns:r="http://schemas.openxmlformats.org/officeDocument/2006/relationships" xmlns:p="http://schemas.openxmlformats.org/presentationml/2006/main">
+  <p:cSld>
+    <p:spTree>
+      <p:nvGrpSpPr>
+        <p:cNvPr id="1" name=""/>
+        <p:cNvGrpSpPr/>
+        <p:nvPr/>
+      </p:nvGrpSpPr>
+      <p:grpSpPr>
+        <a:xfrm>
+          <a:off x="0" y="0"/>
+          <a:ext cx="0" cy="0"/>
+          <a:chOff x="0" y="0"/>
+          <a:chExt cx="0" cy="0"/>
+        </a:xfrm>
+      </p:grpSpPr>
+      <p:sp>
+        <p:nvSpPr>
+          <p:cNvPr id="2" name="幻灯片图像占位符 1"/>
+          <p:cNvSpPr>
+            <a:spLocks noGrp="1" noRot="1" noChangeAspect="1"/>
+          </p:cNvSpPr>
+          <p:nvPr>
+            <p:ph type="sldImg"/>
+          </p:nvPr>
+        </p:nvSpPr>
+        <p:spPr/>
+      </p:sp>
+      <p:sp>
+        <p:nvSpPr>
+          <p:cNvPr id="3" name="备注占位符 2"/>
+          <p:cNvSpPr>
+            <a:spLocks noGrp="1"/>
+          </p:cNvSpPr>
+          <p:nvPr>
+            <p:ph type="body" idx="1"/>
+          </p:nvPr>
+        </p:nvSpPr>
+        <p:spPr/>
+        <p:txBody>
+          <a:bodyPr/>
+          <a:lstStyle/>
+          <a:p>
+            <a:endParaRPr lang="zh-CN" altLang="en-US"/>
+          </a:p>
+        </p:txBody>
+      </p:sp>
+      <p:sp>
+        <p:nvSpPr>
+          <p:cNvPr id="4" name="灯片编号占位符 3"/>
+          <p:cNvSpPr>
+            <a:spLocks noGrp="1"/>
+          </p:cNvSpPr>
+          <p:nvPr>
+            <p:ph type="sldNum" sz="quarter" idx="10"/>
+          </p:nvPr>
+        </p:nvSpPr>
+        <p:spPr/>
+        <p:txBody>
+          <a:bodyPr/>
+          <a:lstStyle/>
+          <a:p>
+            <a:fld id="{418F03C3-53C1-4F10-8DAF-D1F318E96C6E}" type="slidenum">
+              <a:rPr lang="zh-CN" altLang="en-US" smtClean="0"/>
+            </a:fld>
+            <a:endParaRPr lang="zh-CN" altLang="en-US"/>
+          </a:p>
+        </p:txBody>
+      </p:sp>
+    </p:spTree>
+  </p:cSld>
+  <p:clrMapOvr>
+    <a:masterClrMapping/>
+  </p:clrMapOvr>
+</p:notes>
+</file>
+
+<file path=ppt/notesSlides/notesSlide12.xml><?xml version="1.0" encoding="utf-8"?>
 <p:notes xmlns:a="http://schemas.openxmlformats.org/drawingml/2006/main" xmlns:r="http://schemas.openxmlformats.org/officeDocument/2006/relationships" xmlns:p="http://schemas.openxmlformats.org/presentationml/2006/main">
   <p:cSld>
     <p:spTree>
@@ -7763,7 +7842,7 @@
         <p:spPr>
           <a:xfrm>
             <a:off x="1188085" y="516255"/>
-            <a:ext cx="1097280" cy="368300"/>
+            <a:ext cx="1783080" cy="368300"/>
           </a:xfrm>
           <a:prstGeom prst="rect">
             <a:avLst/>
@@ -7788,7 +7867,7 @@
                 <a:ea typeface="微软雅黑" panose="020B0503020204020204" pitchFamily="34" charset="-122"/>
                 <a:sym typeface="+mn-ea"/>
               </a:rPr>
-              <a:t>方案总结</a:t>
+              <a:t>实现策略（四）</a:t>
             </a:r>
             <a:endParaRPr lang="zh-CN" b="1">
               <a:solidFill>
@@ -7805,14 +7884,14 @@
       </p:sp>
       <p:sp>
         <p:nvSpPr>
-          <p:cNvPr id="3" name="文本框 2"/>
+          <p:cNvPr id="4" name="文本框 3"/>
           <p:cNvSpPr txBox="1"/>
           <p:nvPr/>
         </p:nvSpPr>
         <p:spPr>
           <a:xfrm>
-            <a:off x="681990" y="1786255"/>
-            <a:ext cx="7757160" cy="3692525"/>
+            <a:off x="729615" y="1786255"/>
+            <a:ext cx="7635875" cy="1863725"/>
           </a:xfrm>
           <a:prstGeom prst="rect">
             <a:avLst/>
@@ -7824,25 +7903,257 @@
             <a:spAutoFit/>
           </a:bodyPr>
           <a:p>
+            <a:pPr marL="285750" indent="-285750">
+              <a:lnSpc>
+                <a:spcPct val="160000"/>
+              </a:lnSpc>
+              <a:buFont typeface="Wingdings" panose="05000000000000000000" charset="0"/>
+              <a:buChar char=""/>
+            </a:pPr>
+            <a:r>
+              <a:rPr lang="en-US" b="1">
+                <a:sym typeface="+mn-ea"/>
+              </a:rPr>
+              <a:t>RabbitMQ TTL+DLX</a:t>
+            </a:r>
+            <a:endParaRPr lang="zh-CN" altLang="en-US" b="1">
+              <a:solidFill>
+                <a:schemeClr val="tx1"/>
+              </a:solidFill>
+              <a:sym typeface="+mn-ea"/>
+            </a:endParaRPr>
+          </a:p>
+          <a:p>
             <a:pPr lvl="1" indent="0">
+              <a:lnSpc>
+                <a:spcPct val="160000"/>
+              </a:lnSpc>
               <a:buFont typeface="Wingdings" panose="05000000000000000000" charset="0"/>
               <a:buNone/>
             </a:pPr>
-            <a:endParaRPr lang="zh-CN" altLang="en-US"/>
+            <a:r>
+              <a:rPr lang="en-US">
+                <a:sym typeface="+mn-ea"/>
+              </a:rPr>
+              <a:t>RabbitMQ</a:t>
+            </a:r>
+            <a:r>
+              <a:rPr lang="zh-CN" altLang="en-US">
+                <a:sym typeface="+mn-ea"/>
+              </a:rPr>
+              <a:t>可设置消息过期时间（</a:t>
+            </a:r>
+            <a:r>
+              <a:rPr lang="en-US" altLang="zh-CN">
+                <a:sym typeface="+mn-ea"/>
+              </a:rPr>
+              <a:t>TTL</a:t>
+            </a:r>
+            <a:r>
+              <a:rPr lang="zh-CN" altLang="en-US">
+                <a:sym typeface="+mn-ea"/>
+              </a:rPr>
+              <a:t>），当消息过期后可以将该消息投递到队列上设置的死信交换器（</a:t>
+            </a:r>
+            <a:r>
+              <a:rPr lang="en-US" altLang="zh-CN">
+                <a:sym typeface="+mn-ea"/>
+              </a:rPr>
+              <a:t>DLX</a:t>
+            </a:r>
+            <a:r>
+              <a:rPr lang="zh-CN" altLang="en-US">
+                <a:sym typeface="+mn-ea"/>
+              </a:rPr>
+              <a:t>）上，再次投递到死信队列中，重新消费。</a:t>
+            </a:r>
+            <a:endParaRPr lang="en-US" altLang="zh-CN">
+              <a:solidFill>
+                <a:schemeClr val="tx1"/>
+              </a:solidFill>
+              <a:sym typeface="+mn-ea"/>
+            </a:endParaRPr>
           </a:p>
+        </p:txBody>
+      </p:sp>
+      <p:pic>
+        <p:nvPicPr>
+          <p:cNvPr id="21" name="图片 20"/>
+          <p:cNvPicPr>
+            <a:picLocks noChangeAspect="1"/>
+          </p:cNvPicPr>
+          <p:nvPr/>
+        </p:nvPicPr>
+        <p:blipFill>
+          <a:blip r:embed="rId2"/>
+          <a:stretch>
+            <a:fillRect/>
+          </a:stretch>
+        </p:blipFill>
+        <p:spPr>
+          <a:xfrm>
+            <a:off x="509905" y="3942080"/>
+            <a:ext cx="8074660" cy="2132965"/>
+          </a:xfrm>
+          <a:prstGeom prst="rect">
+            <a:avLst/>
+          </a:prstGeom>
+        </p:spPr>
+      </p:pic>
+    </p:spTree>
+  </p:cSld>
+  <p:clrMapOvr>
+    <a:masterClrMapping/>
+  </p:clrMapOvr>
+  <mc:AlternateContent xmlns:mc="http://schemas.openxmlformats.org/markup-compatibility/2006">
+    <mc:Choice xmlns:p14="http://schemas.microsoft.com/office/powerpoint/2010/main" Requires="p14">
+      <p:transition spd="slow" p14:dur="1250" advClick="0" advTm="0">
+        <p:checker/>
+      </p:transition>
+    </mc:Choice>
+    <mc:Fallback>
+      <p:transition spd="slow" advClick="0" advTm="0">
+        <p:checker/>
+      </p:transition>
+    </mc:Fallback>
+  </mc:AlternateContent>
+</p:sld>
+</file>
+
+<file path=ppt/slides/slide11.xml><?xml version="1.0" encoding="utf-8"?>
+<p:sld xmlns:a="http://schemas.openxmlformats.org/drawingml/2006/main" xmlns:r="http://schemas.openxmlformats.org/officeDocument/2006/relationships" xmlns:p="http://schemas.openxmlformats.org/presentationml/2006/main">
+  <p:cSld>
+    <p:spTree>
+      <p:nvGrpSpPr>
+        <p:cNvPr id="1" name=""/>
+        <p:cNvGrpSpPr/>
+        <p:nvPr/>
+      </p:nvGrpSpPr>
+      <p:grpSpPr>
+        <a:xfrm>
+          <a:off x="0" y="0"/>
+          <a:ext cx="0" cy="0"/>
+          <a:chOff x="0" y="0"/>
+          <a:chExt cx="0" cy="0"/>
+        </a:xfrm>
+      </p:grpSpPr>
+      <p:pic>
+        <p:nvPicPr>
+          <p:cNvPr id="32" name="图片 31" descr="QQ截图20170926134547"/>
+          <p:cNvPicPr>
+            <a:picLocks noChangeAspect="1"/>
+          </p:cNvPicPr>
+          <p:nvPr/>
+        </p:nvPicPr>
+        <p:blipFill>
+          <a:blip r:embed="rId1"/>
+          <a:stretch>
+            <a:fillRect/>
+          </a:stretch>
+        </p:blipFill>
+        <p:spPr>
+          <a:xfrm>
+            <a:off x="1270" y="100330"/>
+            <a:ext cx="3568065" cy="1685925"/>
+          </a:xfrm>
+          <a:prstGeom prst="rect">
+            <a:avLst/>
+          </a:prstGeom>
+        </p:spPr>
+      </p:pic>
+      <p:sp>
+        <p:nvSpPr>
+          <p:cNvPr id="112" name="文本框 111"/>
+          <p:cNvSpPr txBox="1"/>
+          <p:nvPr/>
+        </p:nvSpPr>
+        <p:spPr>
+          <a:xfrm>
+            <a:off x="1188085" y="516255"/>
+            <a:ext cx="1097280" cy="368300"/>
+          </a:xfrm>
+          <a:prstGeom prst="rect">
+            <a:avLst/>
+          </a:prstGeom>
+          <a:noFill/>
+        </p:spPr>
+        <p:txBody>
+          <a:bodyPr wrap="none" rtlCol="0" anchor="t">
+            <a:spAutoFit/>
+          </a:bodyPr>
+          <a:lstStyle/>
           <a:p>
-            <a:r>
-              <a:rPr lang="en-US" altLang="zh-CN" b="1"/>
+            <a:pPr algn="l"/>
+            <a:r>
+              <a:rPr lang="zh-CN" b="1">
+                <a:solidFill>
+                  <a:schemeClr val="bg1">
+                    <a:lumMod val="50000"/>
+                  </a:schemeClr>
+                </a:solidFill>
+                <a:latin typeface="微软雅黑" panose="020B0503020204020204" pitchFamily="34" charset="-122"/>
+                <a:ea typeface="微软雅黑" panose="020B0503020204020204" pitchFamily="34" charset="-122"/>
+                <a:sym typeface="+mn-ea"/>
+              </a:rPr>
+              <a:t>方案总结</a:t>
+            </a:r>
+            <a:endParaRPr lang="zh-CN" b="1">
+              <a:solidFill>
+                <a:schemeClr val="bg1">
+                  <a:lumMod val="50000"/>
+                </a:schemeClr>
+              </a:solidFill>
+              <a:latin typeface="微软雅黑" panose="020B0503020204020204" pitchFamily="34" charset="-122"/>
+              <a:ea typeface="微软雅黑" panose="020B0503020204020204" pitchFamily="34" charset="-122"/>
+              <a:sym typeface="+mn-ea"/>
+            </a:endParaRPr>
+          </a:p>
+        </p:txBody>
+      </p:sp>
+      <p:sp>
+        <p:nvSpPr>
+          <p:cNvPr id="2" name="文本框 1"/>
+          <p:cNvSpPr txBox="1"/>
+          <p:nvPr/>
+        </p:nvSpPr>
+        <p:spPr>
+          <a:xfrm>
+            <a:off x="750570" y="1569720"/>
+            <a:ext cx="7643495" cy="5187315"/>
+          </a:xfrm>
+          <a:prstGeom prst="rect">
+            <a:avLst/>
+          </a:prstGeom>
+          <a:noFill/>
+        </p:spPr>
+        <p:txBody>
+          <a:bodyPr wrap="none" rtlCol="0">
+            <a:spAutoFit/>
+          </a:bodyPr>
+          <a:p>
+            <a:pPr marL="285750" indent="-285750" algn="l">
+              <a:lnSpc>
+                <a:spcPct val="160000"/>
+              </a:lnSpc>
+              <a:buFont typeface="Wingdings" panose="05000000000000000000" charset="0"/>
+              <a:buChar char=""/>
+            </a:pPr>
+            <a:r>
+              <a:rPr lang="en-US" altLang="zh-CN" b="1">
+                <a:sym typeface="+mn-ea"/>
+              </a:rPr>
               <a:t>DB</a:t>
             </a:r>
             <a:r>
-              <a:rPr lang="zh-CN" altLang="en-US" b="1"/>
+              <a:rPr lang="zh-CN" altLang="en-US" b="1">
+                <a:sym typeface="+mn-ea"/>
+              </a:rPr>
               <a:t>轮询</a:t>
             </a:r>
             <a:endParaRPr lang="zh-CN" altLang="en-US" b="1"/>
           </a:p>
           <a:p>
-            <a:pPr marL="742950" lvl="1" indent="-285750">
+            <a:pPr marL="742950" lvl="1" indent="-285750" algn="l">
               <a:buFont typeface="Wingdings" panose="05000000000000000000" charset="0"/>
               <a:buChar char=""/>
             </a:pPr>
@@ -7869,7 +8180,7 @@
             </a:endParaRPr>
           </a:p>
           <a:p>
-            <a:pPr marL="742950" lvl="1" indent="-285750">
+            <a:pPr marL="742950" lvl="1" indent="-285750" algn="l">
               <a:buFont typeface="Wingdings" panose="05000000000000000000" charset="0"/>
               <a:buChar char=""/>
             </a:pPr>
@@ -7877,20 +8188,27 @@
               <a:rPr lang="zh-CN" altLang="en-US">
                 <a:sym typeface="+mn-ea"/>
               </a:rPr>
-              <a:t>缺点：影响数据库性能；</a:t>
+              <a:t>缺点：影响数据库性能、时效性差、效率低；</a:t>
             </a:r>
             <a:endParaRPr lang="zh-CN" altLang="en-US">
               <a:sym typeface="+mn-ea"/>
             </a:endParaRPr>
           </a:p>
           <a:p>
-            <a:pPr lvl="1" indent="0">
+            <a:pPr marL="742950" lvl="1" indent="-285750" algn="l">
               <a:buFont typeface="Wingdings" panose="05000000000000000000" charset="0"/>
-              <a:buNone/>
+              <a:buChar char=""/>
             </a:pPr>
             <a:endParaRPr lang="zh-CN" altLang="en-US"/>
           </a:p>
           <a:p>
+            <a:pPr marL="285750" indent="-285750" algn="l">
+              <a:lnSpc>
+                <a:spcPct val="160000"/>
+              </a:lnSpc>
+              <a:buFont typeface="Wingdings" panose="05000000000000000000" charset="0"/>
+              <a:buChar char=""/>
+            </a:pPr>
             <a:r>
               <a:rPr lang="en-US" altLang="zh-CN" b="1">
                 <a:sym typeface="+mn-ea"/>
@@ -7900,7 +8218,7 @@
             <a:endParaRPr lang="en-US" altLang="zh-CN" b="1"/>
           </a:p>
           <a:p>
-            <a:pPr marL="742950" lvl="1" indent="-285750">
+            <a:pPr marL="742950" lvl="1" indent="-285750" algn="l">
               <a:buFont typeface="Wingdings" panose="05000000000000000000" charset="0"/>
               <a:buChar char=""/>
             </a:pPr>
@@ -7913,7 +8231,7 @@
             <a:endParaRPr lang="zh-CN" altLang="en-US"/>
           </a:p>
           <a:p>
-            <a:pPr marL="742950" lvl="1" indent="-285750">
+            <a:pPr marL="742950" lvl="1" indent="-285750" algn="l">
               <a:buFont typeface="Wingdings" panose="05000000000000000000" charset="0"/>
               <a:buChar char=""/>
             </a:pPr>
@@ -7921,7 +8239,7 @@
               <a:rPr lang="zh-CN" altLang="en-US">
                 <a:sym typeface="+mn-ea"/>
               </a:rPr>
-              <a:t>缺点：异常恢复困难、只适用于单机环境，分布式</a:t>
+              <a:t>缺点：异常恢复困难、分布式</a:t>
             </a:r>
             <a:r>
               <a:rPr lang="en-US" altLang="zh-CN">
@@ -7934,75 +8252,172 @@
                 <a:sym typeface="+mn-ea"/>
               </a:rPr>
               <a:t>集群实现困难；</a:t>
-            </a:r>
-            <a:endParaRPr lang="zh-CN" altLang="en-US"/>
-          </a:p>
-          <a:p>
-            <a:endParaRPr lang="zh-CN" altLang="en-US"/>
-          </a:p>
-          <a:p>
-            <a:r>
-              <a:rPr lang="en-US" altLang="zh-CN" b="1"/>
-              <a:t>Redis</a:t>
-            </a:r>
-            <a:endParaRPr lang="en-US" altLang="zh-CN" b="1"/>
-          </a:p>
-          <a:p>
-            <a:pPr marL="742950" lvl="1" indent="-285750">
-              <a:buFont typeface="Wingdings" panose="05000000000000000000" charset="0"/>
-              <a:buChar char=""/>
-            </a:pPr>
-            <a:r>
-              <a:rPr lang="zh-CN" altLang="en-US">
-                <a:sym typeface="+mn-ea"/>
-              </a:rPr>
-              <a:t>优点：解耦、异常恢复、支持分布式</a:t>
-            </a:r>
-            <a:r>
-              <a:rPr lang="en-US" altLang="zh-CN">
-                <a:sym typeface="+mn-ea"/>
-              </a:rPr>
-              <a:t>/</a:t>
-            </a:r>
-            <a:r>
-              <a:rPr lang="zh-CN" altLang="en-US">
-                <a:sym typeface="+mn-ea"/>
-              </a:rPr>
-              <a:t>集群环境；</a:t>
             </a:r>
             <a:endParaRPr lang="zh-CN" altLang="en-US">
               <a:sym typeface="+mn-ea"/>
             </a:endParaRPr>
           </a:p>
           <a:p>
-            <a:pPr marL="742950" lvl="1" indent="-285750">
+            <a:pPr marL="742950" lvl="1" indent="-285750" algn="l">
               <a:buFont typeface="Wingdings" panose="05000000000000000000" charset="0"/>
               <a:buChar char=""/>
             </a:pPr>
+            <a:endParaRPr lang="zh-CN" altLang="en-US"/>
+          </a:p>
+          <a:p>
+            <a:pPr marL="285750" indent="-285750" algn="l">
+              <a:lnSpc>
+                <a:spcPct val="160000"/>
+              </a:lnSpc>
+              <a:buFont typeface="Wingdings" panose="05000000000000000000" charset="0"/>
+              <a:buChar char=""/>
+            </a:pPr>
+            <a:r>
+              <a:rPr lang="en-US" altLang="zh-CN" b="1">
+                <a:sym typeface="+mn-ea"/>
+              </a:rPr>
+              <a:t>Redis</a:t>
+            </a:r>
+            <a:endParaRPr lang="en-US" altLang="zh-CN" b="1"/>
+          </a:p>
+          <a:p>
+            <a:pPr marL="742950" lvl="1" indent="-285750" algn="l">
+              <a:buFont typeface="Wingdings" panose="05000000000000000000" charset="0"/>
+              <a:buChar char=""/>
+            </a:pPr>
             <a:r>
               <a:rPr lang="zh-CN" altLang="en-US">
                 <a:sym typeface="+mn-ea"/>
               </a:rPr>
-              <a:t>缺点：增加</a:t>
+              <a:t>优点：解耦、异常恢复、扩展性强、支持分布式</a:t>
             </a:r>
             <a:r>
               <a:rPr lang="en-US" altLang="zh-CN">
                 <a:sym typeface="+mn-ea"/>
               </a:rPr>
-              <a:t>Redis</a:t>
+              <a:t>/</a:t>
             </a:r>
             <a:r>
               <a:rPr lang="zh-CN" altLang="en-US">
                 <a:sym typeface="+mn-ea"/>
               </a:rPr>
-              <a:t>维护；</a:t>
+              <a:t>集群环境；</a:t>
             </a:r>
             <a:endParaRPr lang="zh-CN" altLang="en-US">
               <a:sym typeface="+mn-ea"/>
             </a:endParaRPr>
           </a:p>
           <a:p>
-            <a:endParaRPr lang="en-US" altLang="zh-CN"/>
+            <a:pPr marL="742950" lvl="1" indent="-285750" algn="l">
+              <a:buFont typeface="Wingdings" panose="05000000000000000000" charset="0"/>
+              <a:buChar char=""/>
+            </a:pPr>
+            <a:r>
+              <a:rPr lang="zh-CN" altLang="en-US">
+                <a:sym typeface="+mn-ea"/>
+              </a:rPr>
+              <a:t>缺点：增加</a:t>
+            </a:r>
+            <a:r>
+              <a:rPr lang="en-US" altLang="zh-CN">
+                <a:sym typeface="+mn-ea"/>
+              </a:rPr>
+              <a:t>Redis</a:t>
+            </a:r>
+            <a:r>
+              <a:rPr lang="zh-CN" altLang="en-US">
+                <a:sym typeface="+mn-ea"/>
+              </a:rPr>
+              <a:t>维护、占用宽带、业务处理异常逻辑复杂；</a:t>
+            </a:r>
+            <a:endParaRPr lang="zh-CN" altLang="en-US">
+              <a:sym typeface="+mn-ea"/>
+            </a:endParaRPr>
+          </a:p>
+          <a:p>
+            <a:pPr marL="742950" lvl="1" indent="-285750" algn="l">
+              <a:buFont typeface="Wingdings" panose="05000000000000000000" charset="0"/>
+              <a:buChar char=""/>
+            </a:pPr>
+            <a:endParaRPr lang="zh-CN" altLang="en-US">
+              <a:sym typeface="+mn-ea"/>
+            </a:endParaRPr>
+          </a:p>
+          <a:p>
+            <a:pPr marL="285750" indent="-285750" algn="l">
+              <a:lnSpc>
+                <a:spcPct val="160000"/>
+              </a:lnSpc>
+              <a:buFont typeface="Wingdings" panose="05000000000000000000" charset="0"/>
+              <a:buChar char=""/>
+            </a:pPr>
+            <a:r>
+              <a:rPr lang="en-US" altLang="zh-CN" b="1">
+                <a:sym typeface="+mn-ea"/>
+              </a:rPr>
+              <a:t>RabbitMQ</a:t>
+            </a:r>
+            <a:endParaRPr lang="en-US" altLang="zh-CN" b="1"/>
+          </a:p>
+          <a:p>
+            <a:pPr marL="742950" lvl="1" indent="-285750" algn="l">
+              <a:buFont typeface="Wingdings" panose="05000000000000000000" charset="0"/>
+              <a:buChar char=""/>
+            </a:pPr>
+            <a:r>
+              <a:rPr lang="zh-CN" altLang="en-US">
+                <a:sym typeface="+mn-ea"/>
+              </a:rPr>
+              <a:t>优点：解耦、异常恢复、扩展性强、支持分布式</a:t>
+            </a:r>
+            <a:r>
+              <a:rPr lang="en-US" altLang="zh-CN">
+                <a:sym typeface="+mn-ea"/>
+              </a:rPr>
+              <a:t>/</a:t>
+            </a:r>
+            <a:r>
+              <a:rPr lang="zh-CN" altLang="en-US">
+                <a:sym typeface="+mn-ea"/>
+              </a:rPr>
+              <a:t>集群环境；</a:t>
+            </a:r>
+            <a:endParaRPr lang="zh-CN" altLang="en-US">
+              <a:sym typeface="+mn-ea"/>
+            </a:endParaRPr>
+          </a:p>
+          <a:p>
+            <a:pPr marL="742950" lvl="1" indent="-285750" algn="l">
+              <a:buFont typeface="Wingdings" panose="05000000000000000000" charset="0"/>
+              <a:buChar char=""/>
+            </a:pPr>
+            <a:r>
+              <a:rPr lang="zh-CN" altLang="en-US">
+                <a:sym typeface="+mn-ea"/>
+              </a:rPr>
+              <a:t>缺点：增加</a:t>
+            </a:r>
+            <a:r>
+              <a:rPr lang="en-US" altLang="zh-CN">
+                <a:sym typeface="+mn-ea"/>
+              </a:rPr>
+              <a:t>RabbitMQ</a:t>
+            </a:r>
+            <a:r>
+              <a:rPr lang="zh-CN" altLang="en-US">
+                <a:sym typeface="+mn-ea"/>
+              </a:rPr>
+              <a:t>维护、占用宽带；</a:t>
+            </a:r>
+            <a:endParaRPr lang="zh-CN" altLang="en-US">
+              <a:solidFill>
+                <a:schemeClr val="tx1"/>
+              </a:solidFill>
+              <a:sym typeface="+mn-ea"/>
+            </a:endParaRPr>
+          </a:p>
+          <a:p>
+            <a:endParaRPr lang="zh-CN" altLang="en-US"/>
           </a:p>
         </p:txBody>
       </p:sp>
@@ -8026,7 +8441,7 @@
 </p:sld>
 </file>
 
-<file path=ppt/slides/slide11.xml><?xml version="1.0" encoding="utf-8"?>
+<file path=ppt/slides/slide12.xml><?xml version="1.0" encoding="utf-8"?>
 <p:sld xmlns:a="http://schemas.openxmlformats.org/drawingml/2006/main" xmlns:r="http://schemas.openxmlformats.org/officeDocument/2006/relationships" xmlns:p="http://schemas.openxmlformats.org/presentationml/2006/main">
   <p:cSld>
     <p:spTree>
@@ -16513,47 +16928,6 @@
           </a:p>
         </p:txBody>
       </p:sp>
-      <p:sp>
-        <p:nvSpPr>
-          <p:cNvPr id="4" name="文本框 3"/>
-          <p:cNvSpPr txBox="1"/>
-          <p:nvPr/>
-        </p:nvSpPr>
-        <p:spPr>
-          <a:xfrm>
-            <a:off x="1661160" y="1611630"/>
-            <a:ext cx="6235700" cy="368300"/>
-          </a:xfrm>
-          <a:prstGeom prst="rect">
-            <a:avLst/>
-          </a:prstGeom>
-          <a:noFill/>
-        </p:spPr>
-        <p:txBody>
-          <a:bodyPr wrap="square" rtlCol="0">
-            <a:spAutoFit/>
-          </a:bodyPr>
-          <a:p>
-            <a:pPr indent="0">
-              <a:buFont typeface="Wingdings" panose="05000000000000000000" charset="0"/>
-              <a:buNone/>
-            </a:pPr>
-            <a:r>
-              <a:rPr lang="zh-CN" altLang="en-US"/>
-              <a:t>订单系统中，用户下单</a:t>
-            </a:r>
-            <a:r>
-              <a:rPr lang="en-US" altLang="zh-CN"/>
-              <a:t>30</a:t>
-            </a:r>
-            <a:r>
-              <a:rPr lang="zh-CN" altLang="en-US"/>
-              <a:t>分钟未支付成功，自动取消订单。</a:t>
-            </a:r>
-            <a:endParaRPr lang="zh-CN" altLang="en-US"/>
-          </a:p>
-        </p:txBody>
-      </p:sp>
       <p:pic>
         <p:nvPicPr>
           <p:cNvPr id="2" name="图片 1" descr="图片1"/>
@@ -16570,8 +16944,32 @@
         </p:blipFill>
         <p:spPr>
           <a:xfrm>
-            <a:off x="1661160" y="2256790"/>
-            <a:ext cx="5821680" cy="4187825"/>
+            <a:off x="607695" y="1617980"/>
+            <a:ext cx="4799965" cy="3453130"/>
+          </a:xfrm>
+          <a:prstGeom prst="rect">
+            <a:avLst/>
+          </a:prstGeom>
+        </p:spPr>
+      </p:pic>
+      <p:pic>
+        <p:nvPicPr>
+          <p:cNvPr id="3" name="图片 2"/>
+          <p:cNvPicPr>
+            <a:picLocks noChangeAspect="1"/>
+          </p:cNvPicPr>
+          <p:nvPr/>
+        </p:nvPicPr>
+        <p:blipFill>
+          <a:blip r:embed="rId3"/>
+          <a:stretch>
+            <a:fillRect/>
+          </a:stretch>
+        </p:blipFill>
+        <p:spPr>
+          <a:xfrm>
+            <a:off x="5607685" y="907415"/>
+            <a:ext cx="2835275" cy="5043805"/>
           </a:xfrm>
           <a:prstGeom prst="rect">
             <a:avLst/>
@@ -16922,6 +17320,30 @@
           </a:p>
         </p:txBody>
       </p:sp>
+      <p:pic>
+        <p:nvPicPr>
+          <p:cNvPr id="9" name="图片 8"/>
+          <p:cNvPicPr>
+            <a:picLocks noChangeAspect="1"/>
+          </p:cNvPicPr>
+          <p:nvPr/>
+        </p:nvPicPr>
+        <p:blipFill>
+          <a:blip r:embed="rId2"/>
+          <a:stretch>
+            <a:fillRect/>
+          </a:stretch>
+        </p:blipFill>
+        <p:spPr>
+          <a:xfrm>
+            <a:off x="1924050" y="3425190"/>
+            <a:ext cx="5295265" cy="3176905"/>
+          </a:xfrm>
+          <a:prstGeom prst="rect">
+            <a:avLst/>
+          </a:prstGeom>
+        </p:spPr>
+      </p:pic>
     </p:spTree>
   </p:cSld>
   <p:clrMapOvr>
@@ -17041,7 +17463,7 @@
         <p:spPr>
           <a:xfrm>
             <a:off x="729615" y="1786255"/>
-            <a:ext cx="7559040" cy="1863725"/>
+            <a:ext cx="7559040" cy="1420495"/>
           </a:xfrm>
           <a:prstGeom prst="rect">
             <a:avLst/>
@@ -17105,18 +17527,6 @@
               </a:rPr>
               <a:t>接口。</a:t>
             </a:r>
-            <a:endParaRPr lang="zh-CN" altLang="en-US">
-              <a:sym typeface="+mn-ea"/>
-            </a:endParaRPr>
-          </a:p>
-          <a:p>
-            <a:pPr lvl="1" indent="0">
-              <a:lnSpc>
-                <a:spcPct val="160000"/>
-              </a:lnSpc>
-              <a:buFont typeface="Wingdings" panose="05000000000000000000" charset="0"/>
-              <a:buNone/>
-            </a:pPr>
             <a:endParaRPr lang="en-US" altLang="zh-CN">
               <a:solidFill>
                 <a:schemeClr val="tx1"/>
